--- a/Praesentation_Zwischenbericht_LB02.pptx
+++ b/Praesentation_Zwischenbericht_LB02.pptx
@@ -114,6 +114,11 @@
       </a:defRPr>
     </a:lvl9pPr>
   </p:defaultTextStyle>
+  <p:extLst>
+    <p:ext uri="{EFAFB233-063F-42B5-8137-9DF3F51BA10A}">
+      <p15:sldGuideLst xmlns:p15="http://schemas.microsoft.com/office/powerpoint/2012/main"/>
+    </p:ext>
+  </p:extLst>
 </p:presentation>
 </file>
 
@@ -4621,6 +4626,7 @@
       <p:pic>
         <p:nvPicPr>
           <p:cNvPr id="5" name="Inhaltsplatzhalter 4" descr="Ein Bild, das Text, Screenshot, parallel, Zahl enthält.&#10;&#10;Automatisch generierte Beschreibung">
+            <a:hlinkClick r:id="rId2" action="ppaction://hlinkfile"/>
             <a:extLst>
               <a:ext uri="{FF2B5EF4-FFF2-40B4-BE49-F238E27FC236}">
                 <a16:creationId xmlns:a16="http://schemas.microsoft.com/office/drawing/2014/main" id="{699685BA-2DC0-010D-C8BE-2A5C194267EF}"/>
@@ -4635,7 +4641,7 @@
           </p:nvPr>
         </p:nvPicPr>
         <p:blipFill rotWithShape="1">
-          <a:blip r:embed="rId2">
+          <a:blip r:embed="rId3">
             <a:extLst>
               <a:ext uri="{28A0092B-C50C-407E-A947-70E740481C1C}">
                 <a14:useLocalDpi xmlns:a14="http://schemas.microsoft.com/office/drawing/2010/main" val="0"/>
@@ -4758,6 +4764,7 @@
       <p:pic>
         <p:nvPicPr>
           <p:cNvPr id="4" name="Inhaltsplatzhalter 4">
+            <a:hlinkClick r:id="rId2" action="ppaction://hlinkfile"/>
             <a:extLst>
               <a:ext uri="{FF2B5EF4-FFF2-40B4-BE49-F238E27FC236}">
                 <a16:creationId xmlns:a16="http://schemas.microsoft.com/office/drawing/2014/main" id="{035D9331-2885-F829-0E36-BCA53AF80C46}"/>
@@ -4770,7 +4777,7 @@
           <p:nvPr/>
         </p:nvPicPr>
         <p:blipFill rotWithShape="1">
-          <a:blip r:embed="rId2">
+          <a:blip r:embed="rId3">
             <a:extLst>
               <a:ext uri="{28A0092B-C50C-407E-A947-70E740481C1C}">
                 <a14:useLocalDpi xmlns:a14="http://schemas.microsoft.com/office/drawing/2010/main" val="0"/>
@@ -4865,6 +4872,7 @@
       <p:graphicFrame>
         <p:nvGraphicFramePr>
           <p:cNvPr id="4" name="Objekt 3">
+            <a:hlinkClick r:id="rId2" action="ppaction://hlinkfile"/>
             <a:extLst>
               <a:ext uri="{FF2B5EF4-FFF2-40B4-BE49-F238E27FC236}">
                 <a16:creationId xmlns:a16="http://schemas.microsoft.com/office/drawing/2014/main" id="{EAF011E9-84BC-A611-2EE2-C7CC6AC5FF54}"/>
@@ -4877,7 +4885,7 @@
           <p:nvPr>
             <p:extLst>
               <p:ext uri="{D42A27DB-BD31-4B8C-83A1-F6EECF244321}">
-                <p14:modId xmlns:p14="http://schemas.microsoft.com/office/powerpoint/2010/main" val="3636712353"/>
+                <p14:modId xmlns:p14="http://schemas.microsoft.com/office/powerpoint/2010/main" val="3350613915"/>
               </p:ext>
             </p:extLst>
           </p:nvPr>
@@ -4890,12 +4898,12 @@
           <a:graphicData uri="http://schemas.openxmlformats.org/presentationml/2006/ole">
             <mc:AlternateContent xmlns:mc="http://schemas.openxmlformats.org/markup-compatibility/2006">
               <mc:Choice xmlns:v="urn:schemas-microsoft-com:vml" Requires="v">
-                <p:oleObj name="Acrobat Document" r:id="rId2" imgW="12191840" imgH="6857690" progId="Acrobat.Document.DC">
+                <p:oleObj name="Acrobat Document" r:id="rId3" imgW="12191840" imgH="6857690" progId="Acrobat.Document.DC">
                   <p:embed/>
                 </p:oleObj>
               </mc:Choice>
               <mc:Fallback>
-                <p:oleObj name="Acrobat Document" r:id="rId2" imgW="12191840" imgH="6857690" progId="Acrobat.Document.DC">
+                <p:oleObj name="Acrobat Document" r:id="rId3" imgW="12191840" imgH="6857690" progId="Acrobat.Document.DC">
                   <p:embed/>
                   <p:pic>
                     <p:nvPicPr>
@@ -4904,7 +4912,7 @@
                       <p:nvPr/>
                     </p:nvPicPr>
                     <p:blipFill>
-                      <a:blip r:embed="rId3"/>
+                      <a:blip r:embed="rId4"/>
                       <a:stretch>
                         <a:fillRect/>
                       </a:stretch>
@@ -5000,6 +5008,7 @@
       <p:pic>
         <p:nvPicPr>
           <p:cNvPr id="4" name="Inhaltsplatzhalter 4">
+            <a:hlinkClick r:id="rId2" action="ppaction://hlinkfile"/>
             <a:extLst>
               <a:ext uri="{FF2B5EF4-FFF2-40B4-BE49-F238E27FC236}">
                 <a16:creationId xmlns:a16="http://schemas.microsoft.com/office/drawing/2014/main" id="{5BCFFFE1-427A-8A6E-FF67-7AFCA633D54E}"/>
@@ -5012,7 +5021,7 @@
           <p:nvPr/>
         </p:nvPicPr>
         <p:blipFill rotWithShape="1">
-          <a:blip r:embed="rId2">
+          <a:blip r:embed="rId3">
             <a:extLst>
               <a:ext uri="{28A0092B-C50C-407E-A947-70E740481C1C}">
                 <a14:useLocalDpi xmlns:a14="http://schemas.microsoft.com/office/drawing/2010/main" val="0"/>
